--- a/Titania · SlidesCarnival.pptx
+++ b/Titania · SlidesCarnival.pptx
@@ -2251,13 +2251,13 @@
   <p:clrMapOvr>
     <a:masterClrMapping/>
   </p:clrMapOvr>
-  <mc:AlternateContent xmlns:mc="http://schemas.openxmlformats.org/markup-compatibility/2006">
-    <mc:Choice xmlns:p14="http://schemas.microsoft.com/office/powerpoint/2010/main" Requires="p14">
+  <mc:AlternateContent xmlns:mc="http://schemas.openxmlformats.org/markup-compatibility/2006" xmlns:p14="http://schemas.microsoft.com/office/powerpoint/2010/main">
+    <mc:Choice Requires="p14">
       <p:transition spd="slow" p14:dur="1750">
         <p:randomBar dir="vert"/>
       </p:transition>
     </mc:Choice>
-    <mc:Fallback>
+    <mc:Fallback xmlns="">
       <p:transition spd="slow">
         <p:randomBar dir="vert"/>
       </p:transition>
@@ -3610,13 +3610,13 @@
   <p:clrMapOvr>
     <a:masterClrMapping/>
   </p:clrMapOvr>
-  <mc:AlternateContent xmlns:mc="http://schemas.openxmlformats.org/markup-compatibility/2006">
-    <mc:Choice xmlns:p14="http://schemas.microsoft.com/office/powerpoint/2010/main" Requires="p14">
+  <mc:AlternateContent xmlns:mc="http://schemas.openxmlformats.org/markup-compatibility/2006" xmlns:p14="http://schemas.microsoft.com/office/powerpoint/2010/main">
+    <mc:Choice Requires="p14">
       <p:transition spd="slow" p14:dur="1750">
         <p:randomBar dir="vert"/>
       </p:transition>
     </mc:Choice>
-    <mc:Fallback>
+    <mc:Fallback xmlns="">
       <p:transition spd="slow">
         <p:randomBar dir="vert"/>
       </p:transition>
@@ -7681,13 +7681,13 @@
   <p:clrMapOvr>
     <a:masterClrMapping/>
   </p:clrMapOvr>
-  <mc:AlternateContent xmlns:mc="http://schemas.openxmlformats.org/markup-compatibility/2006">
-    <mc:Choice xmlns:p14="http://schemas.microsoft.com/office/powerpoint/2010/main" Requires="p14">
+  <mc:AlternateContent xmlns:mc="http://schemas.openxmlformats.org/markup-compatibility/2006" xmlns:p14="http://schemas.microsoft.com/office/powerpoint/2010/main">
+    <mc:Choice Requires="p14">
       <p:transition spd="slow" p14:dur="1750">
         <p:randomBar dir="vert"/>
       </p:transition>
     </mc:Choice>
-    <mc:Fallback>
+    <mc:Fallback xmlns="">
       <p:transition spd="slow">
         <p:randomBar dir="vert"/>
       </p:transition>
@@ -9275,13 +9275,13 @@
   <p:clrMapOvr>
     <a:masterClrMapping/>
   </p:clrMapOvr>
-  <mc:AlternateContent xmlns:mc="http://schemas.openxmlformats.org/markup-compatibility/2006">
-    <mc:Choice xmlns:p14="http://schemas.microsoft.com/office/powerpoint/2010/main" Requires="p14">
+  <mc:AlternateContent xmlns:mc="http://schemas.openxmlformats.org/markup-compatibility/2006" xmlns:p14="http://schemas.microsoft.com/office/powerpoint/2010/main">
+    <mc:Choice Requires="p14">
       <p:transition spd="slow" p14:dur="1750">
         <p:randomBar dir="vert"/>
       </p:transition>
     </mc:Choice>
-    <mc:Fallback>
+    <mc:Fallback xmlns="">
       <p:transition spd="slow">
         <p:randomBar dir="vert"/>
       </p:transition>
@@ -10504,13 +10504,13 @@
   <p:clrMapOvr>
     <a:masterClrMapping/>
   </p:clrMapOvr>
-  <mc:AlternateContent xmlns:mc="http://schemas.openxmlformats.org/markup-compatibility/2006">
-    <mc:Choice xmlns:p14="http://schemas.microsoft.com/office/powerpoint/2010/main" Requires="p14">
+  <mc:AlternateContent xmlns:mc="http://schemas.openxmlformats.org/markup-compatibility/2006" xmlns:p14="http://schemas.microsoft.com/office/powerpoint/2010/main">
+    <mc:Choice Requires="p14">
       <p:transition spd="slow" p14:dur="1750">
         <p:randomBar dir="vert"/>
       </p:transition>
     </mc:Choice>
-    <mc:Fallback>
+    <mc:Fallback xmlns="">
       <p:transition spd="slow">
         <p:randomBar dir="vert"/>
       </p:transition>
@@ -14223,13 +14223,13 @@
   <p:clrMapOvr>
     <a:masterClrMapping/>
   </p:clrMapOvr>
-  <mc:AlternateContent xmlns:mc="http://schemas.openxmlformats.org/markup-compatibility/2006">
-    <mc:Choice xmlns:p14="http://schemas.microsoft.com/office/powerpoint/2010/main" Requires="p14">
+  <mc:AlternateContent xmlns:mc="http://schemas.openxmlformats.org/markup-compatibility/2006" xmlns:p14="http://schemas.microsoft.com/office/powerpoint/2010/main">
+    <mc:Choice Requires="p14">
       <p:transition spd="slow" p14:dur="1750">
         <p:randomBar dir="vert"/>
       </p:transition>
     </mc:Choice>
-    <mc:Fallback>
+    <mc:Fallback xmlns="">
       <p:transition spd="slow">
         <p:randomBar dir="vert"/>
       </p:transition>
@@ -15567,13 +15567,13 @@
   <p:clrMapOvr>
     <a:masterClrMapping/>
   </p:clrMapOvr>
-  <mc:AlternateContent xmlns:mc="http://schemas.openxmlformats.org/markup-compatibility/2006">
-    <mc:Choice xmlns:p14="http://schemas.microsoft.com/office/powerpoint/2010/main" Requires="p14">
+  <mc:AlternateContent xmlns:mc="http://schemas.openxmlformats.org/markup-compatibility/2006" xmlns:p14="http://schemas.microsoft.com/office/powerpoint/2010/main">
+    <mc:Choice Requires="p14">
       <p:transition spd="slow" p14:dur="1750">
         <p:randomBar dir="vert"/>
       </p:transition>
     </mc:Choice>
-    <mc:Fallback>
+    <mc:Fallback xmlns="">
       <p:transition spd="slow">
         <p:randomBar dir="vert"/>
       </p:transition>
@@ -17307,13 +17307,13 @@
   <p:clrMapOvr>
     <a:masterClrMapping/>
   </p:clrMapOvr>
-  <mc:AlternateContent xmlns:mc="http://schemas.openxmlformats.org/markup-compatibility/2006">
-    <mc:Choice xmlns:p14="http://schemas.microsoft.com/office/powerpoint/2010/main" Requires="p14">
+  <mc:AlternateContent xmlns:mc="http://schemas.openxmlformats.org/markup-compatibility/2006" xmlns:p14="http://schemas.microsoft.com/office/powerpoint/2010/main">
+    <mc:Choice Requires="p14">
       <p:transition spd="slow" p14:dur="1750">
         <p:randomBar dir="vert"/>
       </p:transition>
     </mc:Choice>
-    <mc:Fallback>
+    <mc:Fallback xmlns="">
       <p:transition spd="slow">
         <p:randomBar dir="vert"/>
       </p:transition>
@@ -21886,13 +21886,13 @@
   <p:clrMapOvr>
     <a:masterClrMapping/>
   </p:clrMapOvr>
-  <mc:AlternateContent xmlns:mc="http://schemas.openxmlformats.org/markup-compatibility/2006">
-    <mc:Choice xmlns:p14="http://schemas.microsoft.com/office/powerpoint/2010/main" Requires="p14">
+  <mc:AlternateContent xmlns:mc="http://schemas.openxmlformats.org/markup-compatibility/2006" xmlns:p14="http://schemas.microsoft.com/office/powerpoint/2010/main">
+    <mc:Choice Requires="p14">
       <p:transition spd="slow" p14:dur="1750">
         <p:randomBar dir="vert"/>
       </p:transition>
     </mc:Choice>
-    <mc:Fallback>
+    <mc:Fallback xmlns="">
       <p:transition spd="slow">
         <p:randomBar dir="vert"/>
       </p:transition>
@@ -23607,13 +23607,13 @@
   <p:clrMapOvr>
     <a:masterClrMapping/>
   </p:clrMapOvr>
-  <mc:AlternateContent xmlns:mc="http://schemas.openxmlformats.org/markup-compatibility/2006">
-    <mc:Choice xmlns:p14="http://schemas.microsoft.com/office/powerpoint/2010/main" Requires="p14">
+  <mc:AlternateContent xmlns:mc="http://schemas.openxmlformats.org/markup-compatibility/2006" xmlns:p14="http://schemas.microsoft.com/office/powerpoint/2010/main">
+    <mc:Choice Requires="p14">
       <p:transition spd="slow" p14:dur="1750">
         <p:randomBar dir="vert"/>
       </p:transition>
     </mc:Choice>
-    <mc:Fallback>
+    <mc:Fallback xmlns="">
       <p:transition spd="slow">
         <p:randomBar dir="vert"/>
       </p:transition>
@@ -25010,13 +25010,13 @@
   <p:clrMapOvr>
     <a:masterClrMapping/>
   </p:clrMapOvr>
-  <mc:AlternateContent xmlns:mc="http://schemas.openxmlformats.org/markup-compatibility/2006">
-    <mc:Choice xmlns:p14="http://schemas.microsoft.com/office/powerpoint/2010/main" Requires="p14">
+  <mc:AlternateContent xmlns:mc="http://schemas.openxmlformats.org/markup-compatibility/2006" xmlns:p14="http://schemas.microsoft.com/office/powerpoint/2010/main">
+    <mc:Choice Requires="p14">
       <p:transition spd="slow" p14:dur="1750">
         <p:randomBar dir="vert"/>
       </p:transition>
     </mc:Choice>
-    <mc:Fallback>
+    <mc:Fallback xmlns="">
       <p:transition spd="slow">
         <p:randomBar dir="vert"/>
       </p:transition>
@@ -26100,13 +26100,13 @@
   <p:clrMapOvr>
     <a:masterClrMapping/>
   </p:clrMapOvr>
-  <mc:AlternateContent xmlns:mc="http://schemas.openxmlformats.org/markup-compatibility/2006">
-    <mc:Choice xmlns:p14="http://schemas.microsoft.com/office/powerpoint/2010/main" Requires="p14">
+  <mc:AlternateContent xmlns:mc="http://schemas.openxmlformats.org/markup-compatibility/2006" xmlns:p14="http://schemas.microsoft.com/office/powerpoint/2010/main">
+    <mc:Choice Requires="p14">
       <p:transition spd="slow" p14:dur="1750">
         <p:randomBar dir="vert"/>
       </p:transition>
     </mc:Choice>
-    <mc:Fallback>
+    <mc:Fallback xmlns="">
       <p:transition spd="slow">
         <p:randomBar dir="vert"/>
       </p:transition>
@@ -26790,13 +26790,13 @@
     <p:sldLayoutId id="2147483658" r:id="rId11"/>
     <p:sldLayoutId id="2147483659" r:id="rId12"/>
   </p:sldLayoutIdLst>
-  <mc:AlternateContent xmlns:mc="http://schemas.openxmlformats.org/markup-compatibility/2006">
-    <mc:Choice xmlns:p14="http://schemas.microsoft.com/office/powerpoint/2010/main" Requires="p14">
+  <mc:AlternateContent xmlns:mc="http://schemas.openxmlformats.org/markup-compatibility/2006" xmlns:p14="http://schemas.microsoft.com/office/powerpoint/2010/main">
+    <mc:Choice Requires="p14">
       <p:transition spd="slow" p14:dur="1750">
         <p:randomBar dir="vert"/>
       </p:transition>
     </mc:Choice>
-    <mc:Fallback>
+    <mc:Fallback xmlns="">
       <p:transition spd="slow">
         <p:randomBar dir="vert"/>
       </p:transition>
@@ -27634,13 +27634,13 @@
   <p:clrMapOvr>
     <a:masterClrMapping/>
   </p:clrMapOvr>
-  <mc:AlternateContent xmlns:mc="http://schemas.openxmlformats.org/markup-compatibility/2006">
-    <mc:Choice xmlns:p14="http://schemas.microsoft.com/office/powerpoint/2010/main" Requires="p14">
+  <mc:AlternateContent xmlns:mc="http://schemas.openxmlformats.org/markup-compatibility/2006" xmlns:p14="http://schemas.microsoft.com/office/powerpoint/2010/main">
+    <mc:Choice Requires="p14">
       <p:transition spd="slow" p14:dur="1750">
         <p:randomBar dir="vert"/>
       </p:transition>
     </mc:Choice>
-    <mc:Fallback>
+    <mc:Fallback xmlns="">
       <p:transition spd="slow">
         <p:randomBar dir="vert"/>
       </p:transition>
@@ -27913,13 +27913,13 @@
   <p:clrMapOvr>
     <a:masterClrMapping/>
   </p:clrMapOvr>
-  <mc:AlternateContent xmlns:mc="http://schemas.openxmlformats.org/markup-compatibility/2006">
-    <mc:Choice xmlns:p14="http://schemas.microsoft.com/office/powerpoint/2010/main" Requires="p14">
+  <mc:AlternateContent xmlns:mc="http://schemas.openxmlformats.org/markup-compatibility/2006" xmlns:p14="http://schemas.microsoft.com/office/powerpoint/2010/main">
+    <mc:Choice Requires="p14">
       <p:transition spd="slow" p14:dur="1750">
         <p:randomBar dir="vert"/>
       </p:transition>
     </mc:Choice>
-    <mc:Fallback>
+    <mc:Fallback xmlns="">
       <p:transition spd="slow">
         <p:randomBar dir="vert"/>
       </p:transition>
@@ -28041,18 +28041,11 @@
             </a:r>
           </a:p>
           <a:p>
-            <a:pPr marL="0" lvl="0" indent="0" algn="l" rtl="0">
-              <a:spcBef>
-                <a:spcPts val="600"/>
-              </a:spcBef>
-              <a:spcAft>
-                <a:spcPts val="0"/>
-              </a:spcAft>
+            <a:pPr marL="0" lvl="0" indent="0">
               <a:buClr>
                 <a:schemeClr val="dk1"/>
               </a:buClr>
               <a:buSzPts val="1100"/>
-              <a:buFont typeface="Arial"/>
               <a:buNone/>
             </a:pPr>
             <a:r>
@@ -28091,6 +28084,14 @@
               <a:rPr lang="en-US" dirty="0" err="1" smtClean="0"/>
               <a:t>pygame.event</a:t>
             </a:r>
+            <a:r>
+              <a:rPr lang="en-US" dirty="0"/>
+              <a:t>, </a:t>
+            </a:r>
+            <a:r>
+              <a:rPr lang="en-US" dirty="0" err="1"/>
+              <a:t>pygame.mixer.Sound</a:t>
+            </a:r>
             <a:endParaRPr lang="en-US" dirty="0" smtClean="0"/>
           </a:p>
           <a:p>
@@ -28224,13 +28225,13 @@
   <p:clrMapOvr>
     <a:masterClrMapping/>
   </p:clrMapOvr>
-  <mc:AlternateContent xmlns:mc="http://schemas.openxmlformats.org/markup-compatibility/2006">
-    <mc:Choice xmlns:p14="http://schemas.microsoft.com/office/powerpoint/2010/main" Requires="p14">
+  <mc:AlternateContent xmlns:mc="http://schemas.openxmlformats.org/markup-compatibility/2006" xmlns:p14="http://schemas.microsoft.com/office/powerpoint/2010/main">
+    <mc:Choice Requires="p14">
       <p:transition spd="slow" p14:dur="1750">
         <p:randomBar dir="vert"/>
       </p:transition>
     </mc:Choice>
-    <mc:Fallback>
+    <mc:Fallback xmlns="">
       <p:transition spd="slow">
         <p:randomBar dir="vert"/>
       </p:transition>
@@ -28507,13 +28508,13 @@
   <p:clrMapOvr>
     <a:masterClrMapping/>
   </p:clrMapOvr>
-  <mc:AlternateContent xmlns:mc="http://schemas.openxmlformats.org/markup-compatibility/2006">
-    <mc:Choice xmlns:p14="http://schemas.microsoft.com/office/powerpoint/2010/main" Requires="p14">
+  <mc:AlternateContent xmlns:mc="http://schemas.openxmlformats.org/markup-compatibility/2006" xmlns:p14="http://schemas.microsoft.com/office/powerpoint/2010/main">
+    <mc:Choice Requires="p14">
       <p:transition spd="slow" p14:dur="1750">
         <p:randomBar dir="vert"/>
       </p:transition>
     </mc:Choice>
-    <mc:Fallback>
+    <mc:Fallback xmlns="">
       <p:transition spd="slow">
         <p:randomBar dir="vert"/>
       </p:transition>
@@ -28618,13 +28619,13 @@
   <p:clrMapOvr>
     <a:masterClrMapping/>
   </p:clrMapOvr>
-  <mc:AlternateContent xmlns:mc="http://schemas.openxmlformats.org/markup-compatibility/2006">
-    <mc:Choice xmlns:p14="http://schemas.microsoft.com/office/powerpoint/2010/main" Requires="p14">
+  <mc:AlternateContent xmlns:mc="http://schemas.openxmlformats.org/markup-compatibility/2006" xmlns:p14="http://schemas.microsoft.com/office/powerpoint/2010/main">
+    <mc:Choice Requires="p14">
       <p:transition spd="slow" p14:dur="1750">
         <p:randomBar dir="vert"/>
       </p:transition>
     </mc:Choice>
-    <mc:Fallback>
+    <mc:Fallback xmlns="">
       <p:transition spd="slow">
         <p:randomBar dir="vert"/>
       </p:transition>
